--- a/CheatSheet/template_v1.pptx
+++ b/CheatSheet/template_v1.pptx
@@ -3314,28 +3314,7 @@
               </a:defRPr>
             </a:pPr>
             <a:r>
-              <a:t>RStudio® is a trademark of RStudio, Inc.  •  </a:t>
-            </a:r>
-            <a:r>
-              <a:rPr/>
-              <a:t>CC BY SA</a:t>
-            </a:r>
-            <a:r>
-              <a:t> Your Name •  </a:t>
-            </a:r>
-            <a:r>
-              <a:rPr/>
-              <a:t>your@email.com</a:t>
-            </a:r>
-            <a:r>
-              <a:t>  •  844-448-1212 • </a:t>
-            </a:r>
-            <a:r>
-              <a:rPr/>
-              <a:t>your.website.com</a:t>
-            </a:r>
-            <a:r>
-              <a:t> •  Learn more at </a:t>
+              <a:t>RStudio® is a trademark of RStudio, Inc.  •  CC BY SA Your Name •  your@email.com  •  844-448-1212 • your.website.com •  Learn more at </a:t>
             </a:r>
             <a:r>
               <a:rPr b="1"/>
@@ -11353,7 +11332,7 @@
         </p:nvSpPr>
         <p:spPr>
           <a:xfrm>
-            <a:off x="275590" y="504825"/>
+            <a:off x="60325" y="504825"/>
             <a:ext cx="12384405" cy="803275"/>
           </a:xfrm>
           <a:prstGeom prst="rect">
@@ -11367,17 +11346,37 @@
           <a:lstStyle/>
           <a:p>
             <a:r>
-              <a:rPr lang="" sz="4100">
+              <a:rPr lang="en-US" sz="3900">
                 <a:solidFill>
                   <a:schemeClr val="bg1">
                     <a:lumMod val="50000"/>
                   </a:schemeClr>
                 </a:solidFill>
               </a:rPr>
-              <a:t>HANDLY SPATIAL DATA WITH </a:t>
-            </a:r>
-            <a:r>
-              <a:rPr lang="" sz="4100" b="1">
+              <a:t>HANDL</a:t>
+            </a:r>
+            <a:r>
+              <a:rPr lang="" altLang="en-US" sz="3900">
+                <a:solidFill>
+                  <a:schemeClr val="bg1">
+                    <a:lumMod val="50000"/>
+                  </a:schemeClr>
+                </a:solidFill>
+              </a:rPr>
+              <a:t>ING</a:t>
+            </a:r>
+            <a:r>
+              <a:rPr lang="en-US" sz="3900">
+                <a:solidFill>
+                  <a:schemeClr val="bg1">
+                    <a:lumMod val="50000"/>
+                  </a:schemeClr>
+                </a:solidFill>
+              </a:rPr>
+              <a:t> SPATIAL DATA WITH </a:t>
+            </a:r>
+            <a:r>
+              <a:rPr lang="en-US" sz="3900" b="1">
                 <a:solidFill>
                   <a:schemeClr val="bg1">
                     <a:lumMod val="50000"/>

--- a/CheatSheet/template_v1.pptx
+++ b/CheatSheet/template_v1.pptx
@@ -3200,8 +3200,8 @@
         </p:nvSpPr>
         <p:spPr>
           <a:xfrm>
-            <a:off x="282688" y="1219199"/>
-            <a:ext cx="873761" cy="431801"/>
+            <a:off x="282688" y="1344612"/>
+            <a:ext cx="983615" cy="467995"/>
           </a:xfrm>
           <a:prstGeom prst="rect">
             <a:avLst/>
@@ -3230,8 +3230,16 @@
               </a:defRPr>
             </a:pPr>
             <a:r>
+              <a:rPr sz="3600">
+                <a:latin typeface="Uroob" panose="00000800000000000000" charset="0"/>
+                <a:cs typeface="Uroob" panose="00000800000000000000" charset="0"/>
+              </a:rPr>
               <a:t>Basics</a:t>
             </a:r>
+            <a:endParaRPr sz="3600">
+              <a:latin typeface="Uroob" panose="00000800000000000000" charset="0"/>
+              <a:cs typeface="Uroob" panose="00000800000000000000" charset="0"/>
+            </a:endParaRPr>
           </a:p>
         </p:txBody>
       </p:sp>
@@ -4948,8 +4956,8 @@
         </p:nvSpPr>
         <p:spPr>
           <a:xfrm>
-            <a:off x="3745370" y="1219199"/>
-            <a:ext cx="2621281" cy="431801"/>
+            <a:off x="3745370" y="1344612"/>
+            <a:ext cx="2823845" cy="467995"/>
           </a:xfrm>
           <a:prstGeom prst="rect">
             <a:avLst/>
@@ -4978,8 +4986,16 @@
               </a:defRPr>
             </a:pPr>
             <a:r>
+              <a:rPr sz="3600">
+                <a:latin typeface="Uroob" panose="00000800000000000000" charset="0"/>
+                <a:cs typeface="Uroob" panose="00000800000000000000" charset="0"/>
+              </a:rPr>
               <a:t>Layout Suggestions</a:t>
             </a:r>
+            <a:endParaRPr sz="3600">
+              <a:latin typeface="Uroob" panose="00000800000000000000" charset="0"/>
+              <a:cs typeface="Uroob" panose="00000800000000000000" charset="0"/>
+            </a:endParaRPr>
           </a:p>
         </p:txBody>
       </p:sp>
@@ -5925,8 +5941,8 @@
         </p:nvSpPr>
         <p:spPr>
           <a:xfrm>
-            <a:off x="7151460" y="1219199"/>
-            <a:ext cx="2179321" cy="431801"/>
+            <a:off x="7151460" y="1344612"/>
+            <a:ext cx="2383155" cy="467995"/>
           </a:xfrm>
           <a:prstGeom prst="rect">
             <a:avLst/>
@@ -5955,7 +5971,14 @@
               </a:defRPr>
             </a:pPr>
             <a:r>
-              <a:t>Useful Elements</a:t>
+              <a:rPr sz="3600">
+                <a:latin typeface="Uroob" panose="00000800000000000000" charset="0"/>
+                <a:cs typeface="Uroob" panose="00000800000000000000" charset="0"/>
+              </a:rPr>
+              <a:t>Useful Element</a:t>
+            </a:r>
+            <a:r>
+              <a:t>s</a:t>
             </a:r>
           </a:p>
         </p:txBody>
@@ -6009,8 +6032,8 @@
         </p:nvSpPr>
         <p:spPr>
           <a:xfrm>
-            <a:off x="10573099" y="1216961"/>
-            <a:ext cx="1188721" cy="431801"/>
+            <a:off x="10573099" y="1342374"/>
+            <a:ext cx="1279525" cy="467995"/>
           </a:xfrm>
           <a:prstGeom prst="rect">
             <a:avLst/>
@@ -6039,8 +6062,16 @@
               </a:defRPr>
             </a:pPr>
             <a:r>
+              <a:rPr sz="3600">
+                <a:latin typeface="Uroob" panose="00000800000000000000" charset="0"/>
+                <a:cs typeface="Uroob" panose="00000800000000000000" charset="0"/>
+              </a:rPr>
               <a:t>Logistics</a:t>
             </a:r>
+            <a:endParaRPr sz="3600">
+              <a:latin typeface="Uroob" panose="00000800000000000000" charset="0"/>
+              <a:cs typeface="Uroob" panose="00000800000000000000" charset="0"/>
+            </a:endParaRPr>
           </a:p>
         </p:txBody>
       </p:sp>
@@ -11332,8 +11363,8 @@
         </p:nvSpPr>
         <p:spPr>
           <a:xfrm>
-            <a:off x="60325" y="504825"/>
-            <a:ext cx="12384405" cy="803275"/>
+            <a:off x="132080" y="433070"/>
+            <a:ext cx="10513695" cy="803275"/>
           </a:xfrm>
           <a:prstGeom prst="rect">
             <a:avLst/>
@@ -11346,44 +11377,44 @@
           <a:lstStyle/>
           <a:p>
             <a:r>
-              <a:rPr lang="en-US" sz="3900">
+              <a:rPr lang="en-US" sz="6600">
                 <a:solidFill>
                   <a:schemeClr val="bg1">
                     <a:lumMod val="50000"/>
                   </a:schemeClr>
                 </a:solidFill>
+                <a:latin typeface="Uroob" panose="00000800000000000000" charset="0"/>
+                <a:ea typeface="Monospace" charset="0"/>
+                <a:cs typeface="Uroob" panose="00000800000000000000" charset="0"/>
               </a:rPr>
-              <a:t>HANDL</a:t>
-            </a:r>
-            <a:r>
-              <a:rPr lang="" altLang="en-US" sz="3900">
+              <a:t>Google Earth Earth with R </a:t>
+            </a:r>
+            <a:r>
+              <a:rPr sz="6600">
                 <a:solidFill>
                   <a:schemeClr val="bg1">
                     <a:lumMod val="50000"/>
                   </a:schemeClr>
                 </a:solidFill>
+                <a:latin typeface="Uroob" panose="00000800000000000000" charset="0"/>
+                <a:ea typeface="Monospace" charset="0"/>
+                <a:cs typeface="Uroob" panose="00000800000000000000" charset="0"/>
               </a:rPr>
-              <a:t>ING</a:t>
-            </a:r>
-            <a:r>
-              <a:rPr lang="en-US" sz="3900">
+              <a:t>: : </a:t>
+            </a:r>
+            <a:r>
+              <a:rPr sz="6600">
                 <a:solidFill>
                   <a:schemeClr val="bg1">
                     <a:lumMod val="50000"/>
                   </a:schemeClr>
                 </a:solidFill>
+                <a:latin typeface="Uroob" panose="00000800000000000000" charset="0"/>
+                <a:ea typeface="Monospace" charset="0"/>
+                <a:cs typeface="Uroob" panose="00000800000000000000" charset="0"/>
+                <a:sym typeface="Source Sans Pro Semibold"/>
               </a:rPr>
-              <a:t> SPATIAL DATA WITH </a:t>
-            </a:r>
-            <a:r>
-              <a:rPr lang="en-US" sz="3900" b="1">
-                <a:solidFill>
-                  <a:schemeClr val="bg1">
-                    <a:lumMod val="50000"/>
-                  </a:schemeClr>
-                </a:solidFill>
-              </a:rPr>
-              <a:t>RGEE</a:t>
+              <a:t>CHEAT SHEET</a:t>
             </a:r>
             <a:r>
               <a:rPr>
@@ -11392,30 +11423,8 @@
                     <a:lumMod val="50000"/>
                   </a:schemeClr>
                 </a:solidFill>
-              </a:rPr>
-              <a:t> : : </a:t>
-            </a:r>
-            <a:r>
-              <a:rPr sz="3300">
-                <a:solidFill>
-                  <a:schemeClr val="bg1">
-                    <a:lumMod val="50000"/>
-                  </a:schemeClr>
-                </a:solidFill>
-                <a:latin typeface="Source Sans Pro Semibold"/>
-                <a:ea typeface="Source Sans Pro Semibold"/>
-                <a:cs typeface="Source Sans Pro Semibold"/>
-                <a:sym typeface="Source Sans Pro Semibold"/>
-              </a:rPr>
-              <a:t>CHEAT SHEET</a:t>
-            </a:r>
-            <a:r>
-              <a:rPr>
-                <a:solidFill>
-                  <a:schemeClr val="bg1">
-                    <a:lumMod val="50000"/>
-                  </a:schemeClr>
-                </a:solidFill>
+                <a:latin typeface="42" charset="0"/>
+                <a:cs typeface="42" charset="0"/>
               </a:rPr>
               <a:t> </a:t>
             </a:r>
@@ -11425,6 +11434,8 @@
                   <a:lumMod val="50000"/>
                 </a:schemeClr>
               </a:solidFill>
+              <a:latin typeface="42" charset="0"/>
+              <a:cs typeface="42" charset="0"/>
             </a:endParaRPr>
           </a:p>
         </p:txBody>

--- a/CheatSheet/template_v1.pptx
+++ b/CheatSheet/template_v1.pptx
@@ -11442,7 +11442,7 @@
       </p:sp>
       <p:pic>
         <p:nvPicPr>
-          <p:cNvPr id="35" name="Picture 34"/>
+          <p:cNvPr id="5" name="Picture 4" descr="Logo_RGEE_v2"/>
           <p:cNvPicPr>
             <a:picLocks noChangeAspect="1"/>
           </p:cNvPicPr>
@@ -11456,8 +11456,8 @@
         </p:blipFill>
         <p:spPr>
           <a:xfrm>
-            <a:off x="133985" y="10029825"/>
-            <a:ext cx="904240" cy="631825"/>
+            <a:off x="107315" y="9782810"/>
+            <a:ext cx="1223645" cy="938530"/>
           </a:xfrm>
           <a:prstGeom prst="rect">
             <a:avLst/>
